--- a/TDD 2.pptx
+++ b/TDD 2.pptx
@@ -9,6 +9,8 @@
     <p:sldId id="257" r:id="rId3"/>
     <p:sldId id="258" r:id="rId4"/>
     <p:sldId id="259" r:id="rId5"/>
+    <p:sldId id="260" r:id="rId6"/>
+    <p:sldId id="262" r:id="rId7"/>
   </p:sldIdLst>
   <p:sldSz cx="9144000" cy="6858000" type="screen4x3"/>
   <p:notesSz cx="6858000" cy="9144000"/>
@@ -107,6 +109,11 @@
       </a:defRPr>
     </a:lvl9pPr>
   </p:defaultTextStyle>
+  <p:extLst>
+    <p:ext uri="{EFAFB233-063F-42B5-8137-9DF3F51BA10A}">
+      <p15:sldGuideLst xmlns:p15="http://schemas.microsoft.com/office/powerpoint/2012/main"/>
+    </p:ext>
+  </p:extLst>
 </p:presentation>
 </file>
 
@@ -241,7 +248,7 @@
           <a:p>
             <a:fld id="{C110FAFC-D0D9-4223-A7D1-CDFD9292027D}" type="datetimeFigureOut">
               <a:rPr lang="ko-KR" altLang="en-US" smtClean="0"/>
-              <a:t>2020-01-08</a:t>
+              <a:t>2020-01-09</a:t>
             </a:fld>
             <a:endParaRPr lang="ko-KR" altLang="en-US"/>
           </a:p>
@@ -411,7 +418,7 @@
           <a:p>
             <a:fld id="{C110FAFC-D0D9-4223-A7D1-CDFD9292027D}" type="datetimeFigureOut">
               <a:rPr lang="ko-KR" altLang="en-US" smtClean="0"/>
-              <a:t>2020-01-08</a:t>
+              <a:t>2020-01-09</a:t>
             </a:fld>
             <a:endParaRPr lang="ko-KR" altLang="en-US"/>
           </a:p>
@@ -591,7 +598,7 @@
           <a:p>
             <a:fld id="{C110FAFC-D0D9-4223-A7D1-CDFD9292027D}" type="datetimeFigureOut">
               <a:rPr lang="ko-KR" altLang="en-US" smtClean="0"/>
-              <a:t>2020-01-08</a:t>
+              <a:t>2020-01-09</a:t>
             </a:fld>
             <a:endParaRPr lang="ko-KR" altLang="en-US"/>
           </a:p>
@@ -761,7 +768,7 @@
           <a:p>
             <a:fld id="{C110FAFC-D0D9-4223-A7D1-CDFD9292027D}" type="datetimeFigureOut">
               <a:rPr lang="ko-KR" altLang="en-US" smtClean="0"/>
-              <a:t>2020-01-08</a:t>
+              <a:t>2020-01-09</a:t>
             </a:fld>
             <a:endParaRPr lang="ko-KR" altLang="en-US"/>
           </a:p>
@@ -1005,7 +1012,7 @@
           <a:p>
             <a:fld id="{C110FAFC-D0D9-4223-A7D1-CDFD9292027D}" type="datetimeFigureOut">
               <a:rPr lang="ko-KR" altLang="en-US" smtClean="0"/>
-              <a:t>2020-01-08</a:t>
+              <a:t>2020-01-09</a:t>
             </a:fld>
             <a:endParaRPr lang="ko-KR" altLang="en-US"/>
           </a:p>
@@ -1237,7 +1244,7 @@
           <a:p>
             <a:fld id="{C110FAFC-D0D9-4223-A7D1-CDFD9292027D}" type="datetimeFigureOut">
               <a:rPr lang="ko-KR" altLang="en-US" smtClean="0"/>
-              <a:t>2020-01-08</a:t>
+              <a:t>2020-01-09</a:t>
             </a:fld>
             <a:endParaRPr lang="ko-KR" altLang="en-US"/>
           </a:p>
@@ -1604,7 +1611,7 @@
           <a:p>
             <a:fld id="{C110FAFC-D0D9-4223-A7D1-CDFD9292027D}" type="datetimeFigureOut">
               <a:rPr lang="ko-KR" altLang="en-US" smtClean="0"/>
-              <a:t>2020-01-08</a:t>
+              <a:t>2020-01-09</a:t>
             </a:fld>
             <a:endParaRPr lang="ko-KR" altLang="en-US"/>
           </a:p>
@@ -1722,7 +1729,7 @@
           <a:p>
             <a:fld id="{C110FAFC-D0D9-4223-A7D1-CDFD9292027D}" type="datetimeFigureOut">
               <a:rPr lang="ko-KR" altLang="en-US" smtClean="0"/>
-              <a:t>2020-01-08</a:t>
+              <a:t>2020-01-09</a:t>
             </a:fld>
             <a:endParaRPr lang="ko-KR" altLang="en-US"/>
           </a:p>
@@ -1817,7 +1824,7 @@
           <a:p>
             <a:fld id="{C110FAFC-D0D9-4223-A7D1-CDFD9292027D}" type="datetimeFigureOut">
               <a:rPr lang="ko-KR" altLang="en-US" smtClean="0"/>
-              <a:t>2020-01-08</a:t>
+              <a:t>2020-01-09</a:t>
             </a:fld>
             <a:endParaRPr lang="ko-KR" altLang="en-US"/>
           </a:p>
@@ -2094,7 +2101,7 @@
           <a:p>
             <a:fld id="{C110FAFC-D0D9-4223-A7D1-CDFD9292027D}" type="datetimeFigureOut">
               <a:rPr lang="ko-KR" altLang="en-US" smtClean="0"/>
-              <a:t>2020-01-08</a:t>
+              <a:t>2020-01-09</a:t>
             </a:fld>
             <a:endParaRPr lang="ko-KR" altLang="en-US"/>
           </a:p>
@@ -2351,7 +2358,7 @@
           <a:p>
             <a:fld id="{C110FAFC-D0D9-4223-A7D1-CDFD9292027D}" type="datetimeFigureOut">
               <a:rPr lang="ko-KR" altLang="en-US" smtClean="0"/>
-              <a:t>2020-01-08</a:t>
+              <a:t>2020-01-09</a:t>
             </a:fld>
             <a:endParaRPr lang="ko-KR" altLang="en-US"/>
           </a:p>
@@ -2564,7 +2571,7 @@
           <a:p>
             <a:fld id="{C110FAFC-D0D9-4223-A7D1-CDFD9292027D}" type="datetimeFigureOut">
               <a:rPr lang="ko-KR" altLang="en-US" smtClean="0"/>
-              <a:t>2020-01-08</a:t>
+              <a:t>2020-01-09</a:t>
             </a:fld>
             <a:endParaRPr lang="ko-KR" altLang="en-US"/>
           </a:p>
@@ -3350,46 +3357,726 @@
         </p:nvSpPr>
         <p:spPr/>
         <p:txBody>
-          <a:bodyPr/>
-          <a:lstStyle/>
-          <a:p>
-            <a:r>
-              <a:rPr lang="en-US" altLang="ko-KR" dirty="0"/>
-              <a:t>TDD PATTERN</a:t>
-            </a:r>
-            <a:endParaRPr lang="ko-KR" altLang="en-US" dirty="0"/>
-          </a:p>
-        </p:txBody>
-      </p:sp>
-      <p:sp>
-        <p:nvSpPr>
-          <p:cNvPr id="3" name="내용 개체 틀 2">
+          <a:bodyPr>
+            <a:normAutofit/>
+          </a:bodyPr>
+          <a:lstStyle/>
+          <a:p>
+            <a:r>
+              <a:rPr lang="en-US" altLang="ko-KR" sz="3600" dirty="0"/>
+              <a:t>“</a:t>
+            </a:r>
+            <a:r>
+              <a:rPr lang="ko-KR" altLang="en-US" sz="3600" dirty="0"/>
+              <a:t>테스트할 시간이 없다</a:t>
+            </a:r>
+            <a:r>
+              <a:rPr lang="en-US" altLang="ko-KR" sz="3600" dirty="0"/>
+              <a:t>” </a:t>
+            </a:r>
+            <a:r>
+              <a:rPr lang="ko-KR" altLang="en-US" sz="3600" dirty="0"/>
+              <a:t>죽음의 나선</a:t>
+            </a:r>
+          </a:p>
+        </p:txBody>
+      </p:sp>
+      <p:sp>
+        <p:nvSpPr>
+          <p:cNvPr id="31" name="TextBox 30">
             <a:extLst>
               <a:ext uri="{FF2B5EF4-FFF2-40B4-BE49-F238E27FC236}">
-                <a16:creationId xmlns:a16="http://schemas.microsoft.com/office/drawing/2014/main" id="{54C26407-4E6F-478A-85A0-171B9A67B970}"/>
+                <a16:creationId xmlns:a16="http://schemas.microsoft.com/office/drawing/2014/main" id="{5B532753-85B1-492C-BD32-ED9C127C44E7}"/>
               </a:ext>
             </a:extLst>
           </p:cNvPr>
-          <p:cNvSpPr>
-            <a:spLocks noGrp="1"/>
-          </p:cNvSpPr>
-          <p:nvPr>
-            <p:ph idx="1"/>
-          </p:nvPr>
-        </p:nvSpPr>
-        <p:spPr/>
-        <p:txBody>
-          <a:bodyPr/>
-          <a:lstStyle/>
-          <a:p>
-            <a:endParaRPr lang="ko-KR" altLang="en-US" dirty="0"/>
-          </a:p>
-        </p:txBody>
-      </p:sp>
+          <p:cNvSpPr txBox="1"/>
+          <p:nvPr/>
+        </p:nvSpPr>
+        <p:spPr>
+          <a:xfrm>
+            <a:off x="2894202" y="3059667"/>
+            <a:ext cx="1174459" cy="369332"/>
+          </a:xfrm>
+          <a:prstGeom prst="rect">
+            <a:avLst/>
+          </a:prstGeom>
+          <a:noFill/>
+          <a:ln>
+            <a:noFill/>
+          </a:ln>
+        </p:spPr>
+        <p:txBody>
+          <a:bodyPr wrap="square" rtlCol="0">
+            <a:spAutoFit/>
+          </a:bodyPr>
+          <a:lstStyle/>
+          <a:p>
+            <a:pPr algn="ctr"/>
+            <a:r>
+              <a:rPr lang="ko-KR" altLang="en-US" dirty="0"/>
+              <a:t>스트레스</a:t>
+            </a:r>
+            <a:endParaRPr lang="en-US" altLang="ko-KR" dirty="0"/>
+          </a:p>
+        </p:txBody>
+      </p:sp>
+      <p:sp>
+        <p:nvSpPr>
+          <p:cNvPr id="32" name="TextBox 31">
+            <a:extLst>
+              <a:ext uri="{FF2B5EF4-FFF2-40B4-BE49-F238E27FC236}">
+                <a16:creationId xmlns:a16="http://schemas.microsoft.com/office/drawing/2014/main" id="{6A5E374D-EC64-4DA3-AFF1-546C928BFD13}"/>
+              </a:ext>
+            </a:extLst>
+          </p:cNvPr>
+          <p:cNvSpPr txBox="1"/>
+          <p:nvPr/>
+        </p:nvSpPr>
+        <p:spPr>
+          <a:xfrm>
+            <a:off x="5301842" y="4133458"/>
+            <a:ext cx="1174459" cy="646331"/>
+          </a:xfrm>
+          <a:prstGeom prst="rect">
+            <a:avLst/>
+          </a:prstGeom>
+          <a:noFill/>
+        </p:spPr>
+        <p:txBody>
+          <a:bodyPr wrap="square" rtlCol="0">
+            <a:spAutoFit/>
+          </a:bodyPr>
+          <a:lstStyle/>
+          <a:p>
+            <a:pPr algn="ctr"/>
+            <a:r>
+              <a:rPr lang="ko-KR" altLang="en-US" dirty="0"/>
+              <a:t>테스트</a:t>
+            </a:r>
+            <a:endParaRPr lang="en-US" altLang="ko-KR" dirty="0"/>
+          </a:p>
+          <a:p>
+            <a:pPr algn="ctr"/>
+            <a:r>
+              <a:rPr lang="ko-KR" altLang="en-US" dirty="0"/>
+              <a:t>실행</a:t>
+            </a:r>
+            <a:endParaRPr lang="en-US" altLang="ko-KR" dirty="0"/>
+          </a:p>
+        </p:txBody>
+      </p:sp>
+      <p:cxnSp>
+        <p:nvCxnSpPr>
+          <p:cNvPr id="34" name="연결선: 구부러짐 33">
+            <a:extLst>
+              <a:ext uri="{FF2B5EF4-FFF2-40B4-BE49-F238E27FC236}">
+                <a16:creationId xmlns:a16="http://schemas.microsoft.com/office/drawing/2014/main" id="{91EAAC41-1EC2-4A16-B7C2-D0768C569C59}"/>
+              </a:ext>
+            </a:extLst>
+          </p:cNvPr>
+          <p:cNvCxnSpPr>
+            <a:stCxn id="31" idx="3"/>
+            <a:endCxn id="32" idx="0"/>
+          </p:cNvCxnSpPr>
+          <p:nvPr/>
+        </p:nvCxnSpPr>
+        <p:spPr>
+          <a:xfrm>
+            <a:off x="4068661" y="3244333"/>
+            <a:ext cx="1820411" cy="889125"/>
+          </a:xfrm>
+          <a:prstGeom prst="curvedConnector2">
+            <a:avLst/>
+          </a:prstGeom>
+          <a:ln>
+            <a:solidFill>
+              <a:srgbClr val="FFFF00"/>
+            </a:solidFill>
+            <a:tailEnd type="triangle"/>
+          </a:ln>
+        </p:spPr>
+        <p:style>
+          <a:lnRef idx="1">
+            <a:schemeClr val="accent1"/>
+          </a:lnRef>
+          <a:fillRef idx="0">
+            <a:schemeClr val="accent1"/>
+          </a:fillRef>
+          <a:effectRef idx="0">
+            <a:schemeClr val="accent1"/>
+          </a:effectRef>
+          <a:fontRef idx="minor">
+            <a:schemeClr val="tx1"/>
+          </a:fontRef>
+        </p:style>
+      </p:cxnSp>
+      <p:cxnSp>
+        <p:nvCxnSpPr>
+          <p:cNvPr id="36" name="연결선: 구부러짐 35">
+            <a:extLst>
+              <a:ext uri="{FF2B5EF4-FFF2-40B4-BE49-F238E27FC236}">
+                <a16:creationId xmlns:a16="http://schemas.microsoft.com/office/drawing/2014/main" id="{CD658128-45C5-4F49-B95E-153ABD8CDDDE}"/>
+              </a:ext>
+            </a:extLst>
+          </p:cNvPr>
+          <p:cNvCxnSpPr>
+            <a:stCxn id="32" idx="1"/>
+            <a:endCxn id="31" idx="2"/>
+          </p:cNvCxnSpPr>
+          <p:nvPr/>
+        </p:nvCxnSpPr>
+        <p:spPr>
+          <a:xfrm rot="10800000">
+            <a:off x="3481432" y="3429000"/>
+            <a:ext cx="1820410" cy="1027625"/>
+          </a:xfrm>
+          <a:prstGeom prst="curvedConnector2">
+            <a:avLst/>
+          </a:prstGeom>
+          <a:ln>
+            <a:solidFill>
+              <a:srgbClr val="FFFF00"/>
+            </a:solidFill>
+            <a:tailEnd type="triangle"/>
+          </a:ln>
+        </p:spPr>
+        <p:style>
+          <a:lnRef idx="1">
+            <a:schemeClr val="accent1"/>
+          </a:lnRef>
+          <a:fillRef idx="0">
+            <a:schemeClr val="accent1"/>
+          </a:fillRef>
+          <a:effectRef idx="0">
+            <a:schemeClr val="accent1"/>
+          </a:effectRef>
+          <a:fontRef idx="minor">
+            <a:schemeClr val="tx1"/>
+          </a:fontRef>
+        </p:style>
+      </p:cxnSp>
+      <p:cxnSp>
+        <p:nvCxnSpPr>
+          <p:cNvPr id="38" name="연결선: 구부러짐 37">
+            <a:extLst>
+              <a:ext uri="{FF2B5EF4-FFF2-40B4-BE49-F238E27FC236}">
+                <a16:creationId xmlns:a16="http://schemas.microsoft.com/office/drawing/2014/main" id="{6B489AC1-B5F8-4A5B-A95A-BF3308BD78E6}"/>
+              </a:ext>
+            </a:extLst>
+          </p:cNvPr>
+          <p:cNvCxnSpPr>
+            <a:endCxn id="31" idx="0"/>
+          </p:cNvCxnSpPr>
+          <p:nvPr/>
+        </p:nvCxnSpPr>
+        <p:spPr>
+          <a:xfrm>
+            <a:off x="2290194" y="2287880"/>
+            <a:ext cx="1191238" cy="771787"/>
+          </a:xfrm>
+          <a:prstGeom prst="curvedConnector2">
+            <a:avLst/>
+          </a:prstGeom>
+          <a:ln>
+            <a:solidFill>
+              <a:srgbClr val="FFFF00"/>
+            </a:solidFill>
+            <a:tailEnd type="triangle"/>
+          </a:ln>
+        </p:spPr>
+        <p:style>
+          <a:lnRef idx="1">
+            <a:schemeClr val="accent1"/>
+          </a:lnRef>
+          <a:fillRef idx="0">
+            <a:schemeClr val="accent1"/>
+          </a:fillRef>
+          <a:effectRef idx="0">
+            <a:schemeClr val="accent1"/>
+          </a:effectRef>
+          <a:fontRef idx="minor">
+            <a:schemeClr val="tx1"/>
+          </a:fontRef>
+        </p:style>
+      </p:cxnSp>
     </p:spTree>
     <p:extLst>
       <p:ext uri="{BB962C8B-B14F-4D97-AF65-F5344CB8AC3E}">
         <p14:creationId xmlns:p14="http://schemas.microsoft.com/office/powerpoint/2010/main" val="827614426"/>
+      </p:ext>
+    </p:extLst>
+  </p:cSld>
+  <p:clrMapOvr>
+    <a:masterClrMapping/>
+  </p:clrMapOvr>
+</p:sld>
+</file>
+
+<file path=ppt/slides/slide5.xml><?xml version="1.0" encoding="utf-8"?>
+<p:sld xmlns:a="http://schemas.openxmlformats.org/drawingml/2006/main" xmlns:r="http://schemas.openxmlformats.org/officeDocument/2006/relationships" xmlns:p="http://schemas.openxmlformats.org/presentationml/2006/main">
+  <p:cSld>
+    <p:spTree>
+      <p:nvGrpSpPr>
+        <p:cNvPr id="1" name=""/>
+        <p:cNvGrpSpPr/>
+        <p:nvPr/>
+      </p:nvGrpSpPr>
+      <p:grpSpPr>
+        <a:xfrm>
+          <a:off x="0" y="0"/>
+          <a:ext cx="0" cy="0"/>
+          <a:chOff x="0" y="0"/>
+          <a:chExt cx="0" cy="0"/>
+        </a:xfrm>
+      </p:grpSpPr>
+      <p:sp>
+        <p:nvSpPr>
+          <p:cNvPr id="2" name="제목 1">
+            <a:extLst>
+              <a:ext uri="{FF2B5EF4-FFF2-40B4-BE49-F238E27FC236}">
+                <a16:creationId xmlns:a16="http://schemas.microsoft.com/office/drawing/2014/main" id="{92540B56-7C79-44BE-A672-07B2ECC98EDD}"/>
+              </a:ext>
+            </a:extLst>
+          </p:cNvPr>
+          <p:cNvSpPr>
+            <a:spLocks noGrp="1"/>
+          </p:cNvSpPr>
+          <p:nvPr>
+            <p:ph type="title"/>
+          </p:nvPr>
+        </p:nvSpPr>
+        <p:spPr/>
+        <p:txBody>
+          <a:bodyPr/>
+          <a:lstStyle/>
+          <a:p>
+            <a:r>
+              <a:rPr lang="en-US" altLang="ko-KR" dirty="0"/>
+              <a:t>TEST</a:t>
+            </a:r>
+            <a:r>
+              <a:rPr lang="ko-KR" altLang="en-US" dirty="0"/>
+              <a:t> </a:t>
+            </a:r>
+            <a:r>
+              <a:rPr lang="en-US" altLang="ko-KR" dirty="0"/>
+              <a:t>++</a:t>
+            </a:r>
+            <a:endParaRPr lang="ko-KR" altLang="en-US" dirty="0"/>
+          </a:p>
+        </p:txBody>
+      </p:sp>
+      <p:sp>
+        <p:nvSpPr>
+          <p:cNvPr id="3" name="내용 개체 틀 2">
+            <a:extLst>
+              <a:ext uri="{FF2B5EF4-FFF2-40B4-BE49-F238E27FC236}">
+                <a16:creationId xmlns:a16="http://schemas.microsoft.com/office/drawing/2014/main" id="{25BDD09C-8D6C-42BD-8C7B-CBF8C4B1416F}"/>
+              </a:ext>
+            </a:extLst>
+          </p:cNvPr>
+          <p:cNvSpPr>
+            <a:spLocks noGrp="1"/>
+          </p:cNvSpPr>
+          <p:nvPr>
+            <p:ph idx="1"/>
+          </p:nvPr>
+        </p:nvSpPr>
+        <p:spPr/>
+        <p:txBody>
+          <a:bodyPr/>
+          <a:lstStyle/>
+          <a:p>
+            <a:r>
+              <a:rPr lang="ko-KR" altLang="en-US" dirty="0"/>
+              <a:t>설명테스트</a:t>
+            </a:r>
+            <a:endParaRPr lang="en-US" altLang="ko-KR" dirty="0"/>
+          </a:p>
+          <a:p>
+            <a:pPr lvl="1"/>
+            <a:r>
+              <a:rPr lang="ko-KR" altLang="en-US" dirty="0"/>
+              <a:t>테스트를 이용하여 묻고</a:t>
+            </a:r>
+            <a:r>
+              <a:rPr lang="en-US" altLang="ko-KR" dirty="0"/>
+              <a:t>, </a:t>
+            </a:r>
+            <a:r>
+              <a:rPr lang="ko-KR" altLang="en-US" dirty="0"/>
+              <a:t>테스트를 이용하여 설명하는 것</a:t>
+            </a:r>
+            <a:endParaRPr lang="en-US" altLang="ko-KR" dirty="0"/>
+          </a:p>
+          <a:p>
+            <a:endParaRPr lang="en-US" altLang="ko-KR" dirty="0"/>
+          </a:p>
+          <a:p>
+            <a:r>
+              <a:rPr lang="ko-KR" altLang="en-US" dirty="0"/>
+              <a:t>학습테스트</a:t>
+            </a:r>
+            <a:endParaRPr lang="en-US" altLang="ko-KR" dirty="0"/>
+          </a:p>
+          <a:p>
+            <a:pPr lvl="1"/>
+            <a:r>
+              <a:rPr lang="ko-KR" altLang="en-US" dirty="0"/>
+              <a:t>외부 </a:t>
+            </a:r>
+            <a:r>
+              <a:rPr lang="en-US" altLang="ko-KR" dirty="0"/>
+              <a:t>API</a:t>
+            </a:r>
+            <a:r>
+              <a:rPr lang="ko-KR" altLang="en-US" dirty="0"/>
+              <a:t>에 대한 학습을 목적으로 작성하는 테스트</a:t>
+            </a:r>
+          </a:p>
+        </p:txBody>
+      </p:sp>
+    </p:spTree>
+    <p:extLst>
+      <p:ext uri="{BB962C8B-B14F-4D97-AF65-F5344CB8AC3E}">
+        <p14:creationId xmlns:p14="http://schemas.microsoft.com/office/powerpoint/2010/main" val="839912691"/>
+      </p:ext>
+    </p:extLst>
+  </p:cSld>
+  <p:clrMapOvr>
+    <a:masterClrMapping/>
+  </p:clrMapOvr>
+</p:sld>
+</file>
+
+<file path=ppt/slides/slide6.xml><?xml version="1.0" encoding="utf-8"?>
+<p:sld xmlns:a="http://schemas.openxmlformats.org/drawingml/2006/main" xmlns:r="http://schemas.openxmlformats.org/officeDocument/2006/relationships" xmlns:p="http://schemas.openxmlformats.org/presentationml/2006/main">
+  <p:cSld>
+    <p:spTree>
+      <p:nvGrpSpPr>
+        <p:cNvPr id="1" name=""/>
+        <p:cNvGrpSpPr/>
+        <p:nvPr/>
+      </p:nvGrpSpPr>
+      <p:grpSpPr>
+        <a:xfrm>
+          <a:off x="0" y="0"/>
+          <a:ext cx="0" cy="0"/>
+          <a:chOff x="0" y="0"/>
+          <a:chExt cx="0" cy="0"/>
+        </a:xfrm>
+      </p:grpSpPr>
+      <p:sp>
+        <p:nvSpPr>
+          <p:cNvPr id="2" name="제목 1">
+            <a:extLst>
+              <a:ext uri="{FF2B5EF4-FFF2-40B4-BE49-F238E27FC236}">
+                <a16:creationId xmlns:a16="http://schemas.microsoft.com/office/drawing/2014/main" id="{A68431C1-7A22-45DA-8754-EB01852B7A46}"/>
+              </a:ext>
+            </a:extLst>
+          </p:cNvPr>
+          <p:cNvSpPr>
+            <a:spLocks noGrp="1"/>
+          </p:cNvSpPr>
+          <p:nvPr>
+            <p:ph type="title"/>
+          </p:nvPr>
+        </p:nvSpPr>
+        <p:spPr>
+          <a:xfrm>
+            <a:off x="628650" y="365126"/>
+            <a:ext cx="7886700" cy="1325563"/>
+          </a:xfrm>
+        </p:spPr>
+        <p:txBody>
+          <a:bodyPr/>
+          <a:lstStyle/>
+          <a:p>
+            <a:r>
+              <a:rPr lang="en-US" altLang="ko-KR" dirty="0"/>
+              <a:t>TDD </a:t>
+            </a:r>
+            <a:r>
+              <a:rPr lang="ko-KR" altLang="en-US" dirty="0"/>
+              <a:t>신도들의</a:t>
+            </a:r>
+            <a:r>
+              <a:rPr lang="en-US" altLang="ko-KR" dirty="0"/>
+              <a:t> MIND</a:t>
+            </a:r>
+            <a:endParaRPr lang="ko-KR" altLang="en-US" dirty="0"/>
+          </a:p>
+        </p:txBody>
+      </p:sp>
+      <p:sp>
+        <p:nvSpPr>
+          <p:cNvPr id="5" name="TextBox 4">
+            <a:extLst>
+              <a:ext uri="{FF2B5EF4-FFF2-40B4-BE49-F238E27FC236}">
+                <a16:creationId xmlns:a16="http://schemas.microsoft.com/office/drawing/2014/main" id="{D80A58F3-00C7-4D37-A9D5-90CC464ECE26}"/>
+              </a:ext>
+            </a:extLst>
+          </p:cNvPr>
+          <p:cNvSpPr txBox="1"/>
+          <p:nvPr/>
+        </p:nvSpPr>
+        <p:spPr>
+          <a:xfrm>
+            <a:off x="777667" y="2455237"/>
+            <a:ext cx="2691926" cy="369332"/>
+          </a:xfrm>
+          <a:prstGeom prst="rect">
+            <a:avLst/>
+          </a:prstGeom>
+          <a:noFill/>
+        </p:spPr>
+        <p:txBody>
+          <a:bodyPr wrap="square" rtlCol="0">
+            <a:spAutoFit/>
+          </a:bodyPr>
+          <a:lstStyle/>
+          <a:p>
+            <a:pPr algn="ctr"/>
+            <a:r>
+              <a:rPr lang="en-US" altLang="ko-KR" dirty="0">
+                <a:solidFill>
+                  <a:srgbClr val="FFFF00"/>
+                </a:solidFill>
+              </a:rPr>
+              <a:t>MONOLOGICAL MODE</a:t>
+            </a:r>
+            <a:endParaRPr lang="ko-KR" altLang="en-US" dirty="0">
+              <a:solidFill>
+                <a:srgbClr val="FFFF00"/>
+              </a:solidFill>
+            </a:endParaRPr>
+          </a:p>
+        </p:txBody>
+      </p:sp>
+      <p:sp>
+        <p:nvSpPr>
+          <p:cNvPr id="9" name="TextBox 8">
+            <a:extLst>
+              <a:ext uri="{FF2B5EF4-FFF2-40B4-BE49-F238E27FC236}">
+                <a16:creationId xmlns:a16="http://schemas.microsoft.com/office/drawing/2014/main" id="{0D7FD1AA-9F99-4793-A72D-FEFECBCA8B5B}"/>
+              </a:ext>
+            </a:extLst>
+          </p:cNvPr>
+          <p:cNvSpPr txBox="1"/>
+          <p:nvPr/>
+        </p:nvSpPr>
+        <p:spPr>
+          <a:xfrm>
+            <a:off x="4836919" y="3166567"/>
+            <a:ext cx="2905570" cy="646331"/>
+          </a:xfrm>
+          <a:prstGeom prst="rect">
+            <a:avLst/>
+          </a:prstGeom>
+          <a:noFill/>
+        </p:spPr>
+        <p:txBody>
+          <a:bodyPr wrap="square" rtlCol="0">
+            <a:spAutoFit/>
+          </a:bodyPr>
+          <a:lstStyle/>
+          <a:p>
+            <a:pPr algn="ctr"/>
+            <a:r>
+              <a:rPr lang="en-US" altLang="ko-KR" dirty="0">
+                <a:solidFill>
+                  <a:srgbClr val="FFFF00"/>
+                </a:solidFill>
+              </a:rPr>
+              <a:t> </a:t>
+            </a:r>
+            <a:r>
+              <a:rPr lang="ko-KR" altLang="en-US" dirty="0">
+                <a:solidFill>
+                  <a:srgbClr val="FFFF00"/>
+                </a:solidFill>
+              </a:rPr>
+              <a:t>단조로움 회피하며 스트레스 낮춤</a:t>
+            </a:r>
+            <a:endParaRPr lang="en-US" altLang="ko-KR" dirty="0">
+              <a:solidFill>
+                <a:srgbClr val="FFFF00"/>
+              </a:solidFill>
+            </a:endParaRPr>
+          </a:p>
+        </p:txBody>
+      </p:sp>
+      <p:sp>
+        <p:nvSpPr>
+          <p:cNvPr id="10" name="TextBox 9">
+            <a:extLst>
+              <a:ext uri="{FF2B5EF4-FFF2-40B4-BE49-F238E27FC236}">
+                <a16:creationId xmlns:a16="http://schemas.microsoft.com/office/drawing/2014/main" id="{327A400F-98B0-4336-BD8E-2F8F0B22E596}"/>
+              </a:ext>
+            </a:extLst>
+          </p:cNvPr>
+          <p:cNvSpPr txBox="1"/>
+          <p:nvPr/>
+        </p:nvSpPr>
+        <p:spPr>
+          <a:xfrm>
+            <a:off x="777667" y="3958449"/>
+            <a:ext cx="2691926" cy="369332"/>
+          </a:xfrm>
+          <a:prstGeom prst="rect">
+            <a:avLst/>
+          </a:prstGeom>
+          <a:noFill/>
+        </p:spPr>
+        <p:txBody>
+          <a:bodyPr wrap="square" rtlCol="0">
+            <a:spAutoFit/>
+          </a:bodyPr>
+          <a:lstStyle/>
+          <a:p>
+            <a:pPr algn="ctr"/>
+            <a:r>
+              <a:rPr lang="en-US" altLang="ko-KR" dirty="0">
+                <a:solidFill>
+                  <a:srgbClr val="FFFF00"/>
+                </a:solidFill>
+              </a:rPr>
+              <a:t>MODE </a:t>
+            </a:r>
+            <a:r>
+              <a:rPr lang="ko-KR" altLang="en-US" dirty="0">
+                <a:solidFill>
+                  <a:srgbClr val="FFFF00"/>
+                </a:solidFill>
+              </a:rPr>
+              <a:t>의 전환</a:t>
+            </a:r>
+            <a:endParaRPr lang="en-US" altLang="ko-KR" dirty="0">
+              <a:solidFill>
+                <a:srgbClr val="FFFF00"/>
+              </a:solidFill>
+            </a:endParaRPr>
+          </a:p>
+        </p:txBody>
+      </p:sp>
+      <p:sp>
+        <p:nvSpPr>
+          <p:cNvPr id="11" name="십자형 10">
+            <a:extLst>
+              <a:ext uri="{FF2B5EF4-FFF2-40B4-BE49-F238E27FC236}">
+                <a16:creationId xmlns:a16="http://schemas.microsoft.com/office/drawing/2014/main" id="{C9D0B43B-6361-40A2-99AC-D0DB71B75A9D}"/>
+              </a:ext>
+            </a:extLst>
+          </p:cNvPr>
+          <p:cNvSpPr/>
+          <p:nvPr/>
+        </p:nvSpPr>
+        <p:spPr>
+          <a:xfrm>
+            <a:off x="1850164" y="3102123"/>
+            <a:ext cx="546931" cy="546931"/>
+          </a:xfrm>
+          <a:prstGeom prst="plus">
+            <a:avLst>
+              <a:gd name="adj" fmla="val 46874"/>
+            </a:avLst>
+          </a:prstGeom>
+          <a:solidFill>
+            <a:schemeClr val="tx1"/>
+          </a:solidFill>
+          <a:ln>
+            <a:solidFill>
+              <a:schemeClr val="tx1"/>
+            </a:solidFill>
+          </a:ln>
+        </p:spPr>
+        <p:style>
+          <a:lnRef idx="2">
+            <a:schemeClr val="accent1">
+              <a:shade val="50000"/>
+            </a:schemeClr>
+          </a:lnRef>
+          <a:fillRef idx="1">
+            <a:schemeClr val="accent1"/>
+          </a:fillRef>
+          <a:effectRef idx="0">
+            <a:schemeClr val="accent1"/>
+          </a:effectRef>
+          <a:fontRef idx="minor">
+            <a:schemeClr val="lt1"/>
+          </a:fontRef>
+        </p:style>
+        <p:txBody>
+          <a:bodyPr rtlCol="0" anchor="ctr"/>
+          <a:lstStyle/>
+          <a:p>
+            <a:pPr algn="ctr"/>
+            <a:endParaRPr lang="ko-KR" altLang="en-US"/>
+          </a:p>
+        </p:txBody>
+      </p:sp>
+      <p:sp>
+        <p:nvSpPr>
+          <p:cNvPr id="12" name="화살표: 오른쪽 11">
+            <a:extLst>
+              <a:ext uri="{FF2B5EF4-FFF2-40B4-BE49-F238E27FC236}">
+                <a16:creationId xmlns:a16="http://schemas.microsoft.com/office/drawing/2014/main" id="{53669AC2-3B41-4B3B-BAED-7F8C426FC6C6}"/>
+              </a:ext>
+            </a:extLst>
+          </p:cNvPr>
+          <p:cNvSpPr/>
+          <p:nvPr/>
+        </p:nvSpPr>
+        <p:spPr>
+          <a:xfrm>
+            <a:off x="3819970" y="3174762"/>
+            <a:ext cx="914400" cy="401652"/>
+          </a:xfrm>
+          <a:prstGeom prst="rightArrow">
+            <a:avLst>
+              <a:gd name="adj1" fmla="val 11703"/>
+              <a:gd name="adj2" fmla="val 69149"/>
+            </a:avLst>
+          </a:prstGeom>
+          <a:solidFill>
+            <a:schemeClr val="tx1"/>
+          </a:solidFill>
+          <a:ln>
+            <a:solidFill>
+              <a:schemeClr val="tx1"/>
+            </a:solidFill>
+          </a:ln>
+        </p:spPr>
+        <p:style>
+          <a:lnRef idx="2">
+            <a:schemeClr val="accent1">
+              <a:shade val="50000"/>
+            </a:schemeClr>
+          </a:lnRef>
+          <a:fillRef idx="1">
+            <a:schemeClr val="accent1"/>
+          </a:fillRef>
+          <a:effectRef idx="0">
+            <a:schemeClr val="accent1"/>
+          </a:effectRef>
+          <a:fontRef idx="minor">
+            <a:schemeClr val="lt1"/>
+          </a:fontRef>
+        </p:style>
+        <p:txBody>
+          <a:bodyPr rtlCol="0" anchor="ctr"/>
+          <a:lstStyle/>
+          <a:p>
+            <a:pPr algn="ctr"/>
+            <a:endParaRPr lang="ko-KR" altLang="en-US"/>
+          </a:p>
+        </p:txBody>
+      </p:sp>
+    </p:spTree>
+    <p:extLst>
+      <p:ext uri="{BB962C8B-B14F-4D97-AF65-F5344CB8AC3E}">
+        <p14:creationId xmlns:p14="http://schemas.microsoft.com/office/powerpoint/2010/main" val="1938822446"/>
       </p:ext>
     </p:extLst>
   </p:cSld>
